--- a/resources/Presentation1.pptx
+++ b/resources/Presentation1.pptx
@@ -204,7 +204,7 @@
           <a:p>
             <a:fld id="{320571EC-C141-B74E-9EAE-2716D14A9D31}" type="datetimeFigureOut">
               <a:rPr lang="en-US" smtClean="0"/>
-              <a:t>10/10/22</a:t>
+              <a:t>10/18/22</a:t>
             </a:fld>
             <a:endParaRPr lang="en-US"/>
           </a:p>
@@ -702,7 +702,7 @@
           <a:p>
             <a:fld id="{992BC227-67B4-0C4B-8955-44B073FB3A21}" type="datetimeFigureOut">
               <a:rPr lang="en-US" smtClean="0"/>
-              <a:t>10/10/22</a:t>
+              <a:t>10/18/22</a:t>
             </a:fld>
             <a:endParaRPr lang="en-US"/>
           </a:p>
@@ -900,7 +900,7 @@
           <a:p>
             <a:fld id="{992BC227-67B4-0C4B-8955-44B073FB3A21}" type="datetimeFigureOut">
               <a:rPr lang="en-US" smtClean="0"/>
-              <a:t>10/10/22</a:t>
+              <a:t>10/18/22</a:t>
             </a:fld>
             <a:endParaRPr lang="en-US"/>
           </a:p>
@@ -1108,7 +1108,7 @@
           <a:p>
             <a:fld id="{992BC227-67B4-0C4B-8955-44B073FB3A21}" type="datetimeFigureOut">
               <a:rPr lang="en-US" smtClean="0"/>
-              <a:t>10/10/22</a:t>
+              <a:t>10/18/22</a:t>
             </a:fld>
             <a:endParaRPr lang="en-US"/>
           </a:p>
@@ -1306,7 +1306,7 @@
           <a:p>
             <a:fld id="{992BC227-67B4-0C4B-8955-44B073FB3A21}" type="datetimeFigureOut">
               <a:rPr lang="en-US" smtClean="0"/>
-              <a:t>10/10/22</a:t>
+              <a:t>10/18/22</a:t>
             </a:fld>
             <a:endParaRPr lang="en-US"/>
           </a:p>
@@ -1581,7 +1581,7 @@
           <a:p>
             <a:fld id="{992BC227-67B4-0C4B-8955-44B073FB3A21}" type="datetimeFigureOut">
               <a:rPr lang="en-US" smtClean="0"/>
-              <a:t>10/10/22</a:t>
+              <a:t>10/18/22</a:t>
             </a:fld>
             <a:endParaRPr lang="en-US"/>
           </a:p>
@@ -1846,7 +1846,7 @@
           <a:p>
             <a:fld id="{992BC227-67B4-0C4B-8955-44B073FB3A21}" type="datetimeFigureOut">
               <a:rPr lang="en-US" smtClean="0"/>
-              <a:t>10/10/22</a:t>
+              <a:t>10/18/22</a:t>
             </a:fld>
             <a:endParaRPr lang="en-US"/>
           </a:p>
@@ -2258,7 +2258,7 @@
           <a:p>
             <a:fld id="{992BC227-67B4-0C4B-8955-44B073FB3A21}" type="datetimeFigureOut">
               <a:rPr lang="en-US" smtClean="0"/>
-              <a:t>10/10/22</a:t>
+              <a:t>10/18/22</a:t>
             </a:fld>
             <a:endParaRPr lang="en-US"/>
           </a:p>
@@ -2399,7 +2399,7 @@
           <a:p>
             <a:fld id="{992BC227-67B4-0C4B-8955-44B073FB3A21}" type="datetimeFigureOut">
               <a:rPr lang="en-US" smtClean="0"/>
-              <a:t>10/10/22</a:t>
+              <a:t>10/18/22</a:t>
             </a:fld>
             <a:endParaRPr lang="en-US"/>
           </a:p>
@@ -2512,7 +2512,7 @@
           <a:p>
             <a:fld id="{992BC227-67B4-0C4B-8955-44B073FB3A21}" type="datetimeFigureOut">
               <a:rPr lang="en-US" smtClean="0"/>
-              <a:t>10/10/22</a:t>
+              <a:t>10/18/22</a:t>
             </a:fld>
             <a:endParaRPr lang="en-US"/>
           </a:p>
@@ -2823,7 +2823,7 @@
           <a:p>
             <a:fld id="{992BC227-67B4-0C4B-8955-44B073FB3A21}" type="datetimeFigureOut">
               <a:rPr lang="en-US" smtClean="0"/>
-              <a:t>10/10/22</a:t>
+              <a:t>10/18/22</a:t>
             </a:fld>
             <a:endParaRPr lang="en-US"/>
           </a:p>
@@ -3111,7 +3111,7 @@
           <a:p>
             <a:fld id="{992BC227-67B4-0C4B-8955-44B073FB3A21}" type="datetimeFigureOut">
               <a:rPr lang="en-US" smtClean="0"/>
-              <a:t>10/10/22</a:t>
+              <a:t>10/18/22</a:t>
             </a:fld>
             <a:endParaRPr lang="en-US"/>
           </a:p>
@@ -3352,7 +3352,7 @@
           <a:p>
             <a:fld id="{992BC227-67B4-0C4B-8955-44B073FB3A21}" type="datetimeFigureOut">
               <a:rPr lang="en-US" smtClean="0"/>
-              <a:t>10/10/22</a:t>
+              <a:t>10/18/22</a:t>
             </a:fld>
             <a:endParaRPr lang="en-US"/>
           </a:p>
@@ -3918,7 +3918,7 @@
         </p:blipFill>
         <p:spPr>
           <a:xfrm>
-            <a:off x="1557554" y="1696453"/>
+            <a:off x="1479582" y="1424800"/>
             <a:ext cx="9076891" cy="5167312"/>
           </a:xfrm>
           <a:prstGeom prst="rect">
@@ -4006,7 +4006,7 @@
         </p:blipFill>
         <p:spPr>
           <a:xfrm>
-            <a:off x="419100" y="1687071"/>
+            <a:off x="1682875" y="1392829"/>
             <a:ext cx="11046069" cy="5170929"/>
           </a:xfrm>
           <a:prstGeom prst="rect">
@@ -4713,15 +4713,15 @@
             <a:pPr lvl="1"/>
             <a:r>
               <a:rPr lang="en-US" dirty="0"/>
-              <a:t>To deliver quickly I left the column types as text (without </a:t>
-            </a:r>
-            <a:r>
-              <a:rPr lang="en-US" dirty="0" err="1"/>
-              <a:t>creatind</a:t>
-            </a:r>
-            <a:r>
-              <a:rPr lang="en-US" dirty="0"/>
-              <a:t> struct types for each table) and solve the typing with conversion functions within the </a:t>
+              <a:t>To deliver quickly I left the column types as text (</a:t>
+            </a:r>
+            <a:r>
+              <a:rPr lang="en-US"/>
+              <a:t>without creating </a:t>
+            </a:r>
+            <a:r>
+              <a:rPr lang="en-US" dirty="0"/>
+              <a:t>struct types for each table) and solve the typing with conversion functions within the </a:t>
             </a:r>
             <a:r>
               <a:rPr lang="en-US" dirty="0" err="1"/>
